--- a/ELIOT_poster.pptx
+++ b/ELIOT_poster.pptx
@@ -5030,7 +5030,7 @@
         </p:nvSpPr>
         <p:spPr bwMode="auto">
           <a:xfrm>
-            <a:off x="7071002" y="36163332"/>
+            <a:off x="6973490" y="36220836"/>
             <a:ext cx="12360230" cy="562413"/>
           </a:xfrm>
           <a:prstGeom prst="rect">
@@ -5269,10 +5269,10 @@
         </p:nvGrpSpPr>
         <p:grpSpPr>
           <a:xfrm>
-            <a:off x="2952550" y="11520157"/>
-            <a:ext cx="6853581" cy="3179983"/>
-            <a:chOff x="2940048" y="11283773"/>
-            <a:chExt cx="6853581" cy="3179983"/>
+            <a:off x="2952550" y="11570035"/>
+            <a:ext cx="6853581" cy="3130105"/>
+            <a:chOff x="2940048" y="11333651"/>
+            <a:chExt cx="6853581" cy="3130105"/>
           </a:xfrm>
         </p:grpSpPr>
         <p:pic>
@@ -5291,7 +5291,7 @@
           </p:blipFill>
           <p:spPr>
             <a:xfrm>
-              <a:off x="5875195" y="11283773"/>
+              <a:off x="5578887" y="11333651"/>
               <a:ext cx="2156620" cy="1435133"/>
             </a:xfrm>
             <a:prstGeom prst="rect">
@@ -5363,7 +5363,7 @@
           </p:blipFill>
           <p:spPr>
             <a:xfrm>
-              <a:off x="3921506" y="11332913"/>
+              <a:off x="3685390" y="11367067"/>
               <a:ext cx="1561747" cy="1447800"/>
             </a:xfrm>
             <a:prstGeom prst="rect">
@@ -5411,7 +5411,7 @@
           </p:blipFill>
           <p:spPr>
             <a:xfrm>
-              <a:off x="8423757" y="11463029"/>
+              <a:off x="8250747" y="11442171"/>
               <a:ext cx="1123400" cy="1255877"/>
             </a:xfrm>
             <a:prstGeom prst="rect">
@@ -5883,7 +5883,7 @@
         </p:nvSpPr>
         <p:spPr bwMode="auto">
           <a:xfrm>
-            <a:off x="13537680" y="29512360"/>
+            <a:off x="13537680" y="29091243"/>
             <a:ext cx="10072810" cy="824023"/>
           </a:xfrm>
           <a:prstGeom prst="rect">
@@ -5934,8 +5934,8 @@
         </p:nvSpPr>
         <p:spPr bwMode="auto">
           <a:xfrm>
-            <a:off x="13730356" y="8774615"/>
-            <a:ext cx="9856787" cy="3086181"/>
+            <a:off x="13723938" y="8692818"/>
+            <a:ext cx="9856787" cy="2655294"/>
           </a:xfrm>
           <a:prstGeom prst="rect">
             <a:avLst/>
@@ -6001,7 +6001,29 @@
                   </a:schemeClr>
                 </a:solidFill>
               </a:rPr>
-              <a:t>a set of requirements for the public lighting </a:t>
+              <a:t>a set of requirements for the </a:t>
+            </a:r>
+            <a:r>
+              <a:rPr lang="en-US" sz="2800" i="1" dirty="0">
+                <a:solidFill>
+                  <a:schemeClr val="tx1">
+                    <a:lumMod val="75000"/>
+                    <a:lumOff val="25000"/>
+                  </a:schemeClr>
+                </a:solidFill>
+              </a:rPr>
+              <a:t>public lighting </a:t>
+            </a:r>
+            <a:r>
+              <a:rPr lang="en-US" sz="2800" i="1" dirty="0" smtClean="0">
+                <a:solidFill>
+                  <a:schemeClr val="tx1">
+                    <a:lumMod val="75000"/>
+                    <a:lumOff val="25000"/>
+                  </a:schemeClr>
+                </a:solidFill>
+              </a:rPr>
+              <a:t>scenario</a:t>
             </a:r>
             <a:r>
               <a:rPr lang="en-US" sz="2800" dirty="0" smtClean="0">
@@ -6012,7 +6034,7 @@
                   </a:schemeClr>
                 </a:solidFill>
               </a:rPr>
-              <a:t>scenario. Based on it </a:t>
+              <a:t>. Based on it </a:t>
             </a:r>
             <a:r>
               <a:rPr lang="en-US" sz="2800" dirty="0" err="1" smtClean="0">
@@ -6034,18 +6056,7 @@
                   </a:schemeClr>
                 </a:solidFill>
               </a:rPr>
-              <a:t> reproduces an </a:t>
-            </a:r>
-            <a:r>
-              <a:rPr lang="en-US" sz="2800" dirty="0" err="1">
-                <a:solidFill>
-                  <a:schemeClr val="tx1">
-                    <a:lumMod val="75000"/>
-                    <a:lumOff val="25000"/>
-                  </a:schemeClr>
-                </a:solidFill>
-              </a:rPr>
-              <a:t>IoT</a:t>
+              <a:t> reproduces the scenario by emulating lighting </a:t>
             </a:r>
             <a:r>
               <a:rPr lang="en-US" sz="2800" dirty="0">
@@ -6056,51 +6067,7 @@
                   </a:schemeClr>
                 </a:solidFill>
               </a:rPr>
-              <a:t> use case referred as </a:t>
-            </a:r>
-            <a:r>
-              <a:rPr lang="en-US" sz="2800" i="1" dirty="0">
-                <a:solidFill>
-                  <a:schemeClr val="tx1">
-                    <a:lumMod val="75000"/>
-                    <a:lumOff val="25000"/>
-                  </a:schemeClr>
-                </a:solidFill>
-              </a:rPr>
-              <a:t>public lighting </a:t>
-            </a:r>
-            <a:r>
-              <a:rPr lang="en-US" sz="2800" i="1" dirty="0" smtClean="0">
-                <a:solidFill>
-                  <a:schemeClr val="tx1">
-                    <a:lumMod val="75000"/>
-                    <a:lumOff val="25000"/>
-                  </a:schemeClr>
-                </a:solidFill>
-              </a:rPr>
-              <a:t>scenario</a:t>
-            </a:r>
-            <a:r>
-              <a:rPr lang="en-US" sz="2800" dirty="0" smtClean="0">
-                <a:solidFill>
-                  <a:schemeClr val="tx1">
-                    <a:lumMod val="75000"/>
-                    <a:lumOff val="25000"/>
-                  </a:schemeClr>
-                </a:solidFill>
-              </a:rPr>
-              <a:t>. The </a:t>
-            </a:r>
-            <a:r>
-              <a:rPr lang="en-US" sz="2800" dirty="0">
-                <a:solidFill>
-                  <a:schemeClr val="tx1">
-                    <a:lumMod val="75000"/>
-                    <a:lumOff val="25000"/>
-                  </a:schemeClr>
-                </a:solidFill>
-              </a:rPr>
-              <a:t>system emulates lighting points and a control cabinet. </a:t>
+              <a:t>points and a control cabinet. </a:t>
             </a:r>
             <a:r>
               <a:rPr lang="en-US" sz="2800" dirty="0" smtClean="0">
@@ -6146,7 +6113,7 @@
         </p:blipFill>
         <p:spPr>
           <a:xfrm>
-            <a:off x="13474921" y="12208145"/>
+            <a:off x="13444133" y="11875745"/>
             <a:ext cx="6033375" cy="3683359"/>
           </a:xfrm>
           <a:prstGeom prst="rect">
@@ -6176,7 +6143,7 @@
         </p:blipFill>
         <p:spPr>
           <a:xfrm>
-            <a:off x="17862051" y="16161489"/>
+            <a:off x="17784644" y="15972685"/>
             <a:ext cx="6302672" cy="3706449"/>
           </a:xfrm>
           <a:prstGeom prst="rect">
@@ -6194,7 +6161,7 @@
         </p:nvSpPr>
         <p:spPr bwMode="auto">
           <a:xfrm>
-            <a:off x="19722625" y="12871706"/>
+            <a:off x="19691837" y="12539306"/>
             <a:ext cx="4183554" cy="2224407"/>
           </a:xfrm>
           <a:prstGeom prst="rect">
@@ -6269,7 +6236,7 @@
         </p:nvSpPr>
         <p:spPr bwMode="auto">
           <a:xfrm>
-            <a:off x="13831611" y="16993957"/>
+            <a:off x="13754204" y="16805153"/>
             <a:ext cx="4183554" cy="1793519"/>
           </a:xfrm>
           <a:prstGeom prst="rect">
@@ -6380,7 +6347,7 @@
         </p:blipFill>
         <p:spPr>
           <a:xfrm>
-            <a:off x="13730356" y="19770097"/>
+            <a:off x="13730356" y="19876012"/>
             <a:ext cx="5777940" cy="3454030"/>
           </a:xfrm>
           <a:prstGeom prst="rect">
@@ -6398,7 +6365,7 @@
         </p:nvSpPr>
         <p:spPr bwMode="auto">
           <a:xfrm>
-            <a:off x="19722625" y="20431510"/>
+            <a:off x="19722625" y="20537425"/>
             <a:ext cx="4183554" cy="2224407"/>
           </a:xfrm>
           <a:prstGeom prst="rect">
@@ -6462,7 +6429,7 @@
         </p:nvSpPr>
         <p:spPr bwMode="auto">
           <a:xfrm>
-            <a:off x="13753703" y="24430440"/>
+            <a:off x="13753703" y="24338126"/>
             <a:ext cx="9856787" cy="4378843"/>
           </a:xfrm>
           <a:prstGeom prst="rect">
@@ -6970,7 +6937,7 @@
         </p:nvSpPr>
         <p:spPr bwMode="auto">
           <a:xfrm>
-            <a:off x="13537680" y="7889369"/>
+            <a:off x="13537680" y="7862804"/>
             <a:ext cx="10072810" cy="824023"/>
           </a:xfrm>
           <a:prstGeom prst="rect">
@@ -7021,8 +6988,8 @@
         </p:nvSpPr>
         <p:spPr bwMode="auto">
           <a:xfrm>
-            <a:off x="13753703" y="30064374"/>
-            <a:ext cx="9856787" cy="2224407"/>
+            <a:off x="13753703" y="29725245"/>
+            <a:ext cx="9856787" cy="2655294"/>
           </a:xfrm>
           <a:prstGeom prst="rect">
             <a:avLst/>
@@ -7054,6 +7021,17 @@
           <a:p>
             <a:pPr algn="just"/>
             <a:r>
+              <a:rPr lang="en-US" sz="2800" dirty="0" err="1" smtClean="0">
+                <a:solidFill>
+                  <a:schemeClr val="tx1">
+                    <a:lumMod val="75000"/>
+                    <a:lumOff val="25000"/>
+                  </a:schemeClr>
+                </a:solidFill>
+              </a:rPr>
+              <a:t>ELIoT</a:t>
+            </a:r>
+            <a:r>
               <a:rPr lang="en-US" sz="2800" dirty="0" smtClean="0">
                 <a:solidFill>
                   <a:schemeClr val="tx1">
@@ -7062,7 +7040,7 @@
                   </a:schemeClr>
                 </a:solidFill>
               </a:rPr>
-              <a:t>This work has already proven valuable to identify design issues with the LWM2M protocol itself, namely on the registration and discovery interfaces as well as the limitations of the object model it uses.</a:t>
+              <a:t> has already proven valuable to identify design issues with the LWM2M protocol itself, namely on the registration and discovery interfaces as well as the limitations of the object model it uses. New scenarios can be added with relative ease and scalability tests can be augmented.</a:t>
             </a:r>
             <a:endParaRPr lang="en-US" sz="2800" dirty="0">
               <a:solidFill>

--- a/ELIOT_poster.pptx
+++ b/ELIOT_poster.pptx
@@ -5030,7 +5030,7 @@
         </p:nvSpPr>
         <p:spPr bwMode="auto">
           <a:xfrm>
-            <a:off x="6973490" y="36220836"/>
+            <a:off x="7071002" y="36163332"/>
             <a:ext cx="12360230" cy="562413"/>
           </a:xfrm>
           <a:prstGeom prst="rect">
@@ -5269,10 +5269,10 @@
         </p:nvGrpSpPr>
         <p:grpSpPr>
           <a:xfrm>
-            <a:off x="2952550" y="11570035"/>
-            <a:ext cx="6853581" cy="3130105"/>
-            <a:chOff x="2940048" y="11333651"/>
-            <a:chExt cx="6853581" cy="3130105"/>
+            <a:off x="2952550" y="11520157"/>
+            <a:ext cx="6853581" cy="3179983"/>
+            <a:chOff x="2940048" y="11283773"/>
+            <a:chExt cx="6853581" cy="3179983"/>
           </a:xfrm>
         </p:grpSpPr>
         <p:pic>
@@ -5291,7 +5291,7 @@
           </p:blipFill>
           <p:spPr>
             <a:xfrm>
-              <a:off x="5578887" y="11333651"/>
+              <a:off x="5875195" y="11283773"/>
               <a:ext cx="2156620" cy="1435133"/>
             </a:xfrm>
             <a:prstGeom prst="rect">
@@ -5363,7 +5363,7 @@
           </p:blipFill>
           <p:spPr>
             <a:xfrm>
-              <a:off x="3685390" y="11367067"/>
+              <a:off x="3921506" y="11332913"/>
               <a:ext cx="1561747" cy="1447800"/>
             </a:xfrm>
             <a:prstGeom prst="rect">
@@ -5411,7 +5411,7 @@
           </p:blipFill>
           <p:spPr>
             <a:xfrm>
-              <a:off x="8250747" y="11442171"/>
+              <a:off x="8423757" y="11463029"/>
               <a:ext cx="1123400" cy="1255877"/>
             </a:xfrm>
             <a:prstGeom prst="rect">
@@ -5847,14 +5847,6 @@
               </a:rPr>
               <a:t> implementation of LWM2M for the client side. </a:t>
             </a:r>
-            <a:endParaRPr lang="en-US" sz="2800" dirty="0">
-              <a:solidFill>
-                <a:schemeClr val="tx1">
-                  <a:lumMod val="75000"/>
-                  <a:lumOff val="25000"/>
-                </a:schemeClr>
-              </a:solidFill>
-            </a:endParaRPr>
           </a:p>
           <a:p>
             <a:pPr algn="just" defTabSz="3621088">
@@ -5883,7 +5875,7 @@
         </p:nvSpPr>
         <p:spPr bwMode="auto">
           <a:xfrm>
-            <a:off x="13537680" y="29091243"/>
+            <a:off x="13537680" y="29512360"/>
             <a:ext cx="10072810" cy="824023"/>
           </a:xfrm>
           <a:prstGeom prst="rect">
@@ -5934,8 +5926,8 @@
         </p:nvSpPr>
         <p:spPr bwMode="auto">
           <a:xfrm>
-            <a:off x="13723938" y="8692818"/>
-            <a:ext cx="9856787" cy="2655294"/>
+            <a:off x="13717629" y="8713392"/>
+            <a:ext cx="9856787" cy="3086181"/>
           </a:xfrm>
           <a:prstGeom prst="rect">
             <a:avLst/>
@@ -6001,7 +5993,62 @@
                   </a:schemeClr>
                 </a:solidFill>
               </a:rPr>
-              <a:t>a set of requirements for the </a:t>
+              <a:t>a set of requirements for the public lighting </a:t>
+            </a:r>
+            <a:r>
+              <a:rPr lang="en-US" sz="2800" dirty="0" smtClean="0">
+                <a:solidFill>
+                  <a:schemeClr val="tx1">
+                    <a:lumMod val="75000"/>
+                    <a:lumOff val="25000"/>
+                  </a:schemeClr>
+                </a:solidFill>
+              </a:rPr>
+              <a:t>scenario. Based on it </a:t>
+            </a:r>
+            <a:r>
+              <a:rPr lang="en-US" sz="2800" dirty="0" err="1" smtClean="0">
+                <a:solidFill>
+                  <a:schemeClr val="tx1">
+                    <a:lumMod val="75000"/>
+                    <a:lumOff val="25000"/>
+                  </a:schemeClr>
+                </a:solidFill>
+              </a:rPr>
+              <a:t>ELIoT</a:t>
+            </a:r>
+            <a:r>
+              <a:rPr lang="en-US" sz="2800" dirty="0" smtClean="0">
+                <a:solidFill>
+                  <a:schemeClr val="tx1">
+                    <a:lumMod val="75000"/>
+                    <a:lumOff val="25000"/>
+                  </a:schemeClr>
+                </a:solidFill>
+              </a:rPr>
+              <a:t> reproduces an </a:t>
+            </a:r>
+            <a:r>
+              <a:rPr lang="en-US" sz="2800" dirty="0" err="1">
+                <a:solidFill>
+                  <a:schemeClr val="tx1">
+                    <a:lumMod val="75000"/>
+                    <a:lumOff val="25000"/>
+                  </a:schemeClr>
+                </a:solidFill>
+              </a:rPr>
+              <a:t>IoT</a:t>
+            </a:r>
+            <a:r>
+              <a:rPr lang="en-US" sz="2800" dirty="0">
+                <a:solidFill>
+                  <a:schemeClr val="tx1">
+                    <a:lumMod val="75000"/>
+                    <a:lumOff val="25000"/>
+                  </a:schemeClr>
+                </a:solidFill>
+              </a:rPr>
+              <a:t> use case referred as </a:t>
             </a:r>
             <a:r>
               <a:rPr lang="en-US" sz="2800" i="1" dirty="0">
@@ -6034,29 +6081,7 @@
                   </a:schemeClr>
                 </a:solidFill>
               </a:rPr>
-              <a:t>. Based on it </a:t>
-            </a:r>
-            <a:r>
-              <a:rPr lang="en-US" sz="2800" dirty="0" err="1" smtClean="0">
-                <a:solidFill>
-                  <a:schemeClr val="tx1">
-                    <a:lumMod val="75000"/>
-                    <a:lumOff val="25000"/>
-                  </a:schemeClr>
-                </a:solidFill>
-              </a:rPr>
-              <a:t>ELIoT</a:t>
-            </a:r>
-            <a:r>
-              <a:rPr lang="en-US" sz="2800" dirty="0" smtClean="0">
-                <a:solidFill>
-                  <a:schemeClr val="tx1">
-                    <a:lumMod val="75000"/>
-                    <a:lumOff val="25000"/>
-                  </a:schemeClr>
-                </a:solidFill>
-              </a:rPr>
-              <a:t> reproduces the scenario by emulating lighting </a:t>
+              <a:t>. The </a:t>
             </a:r>
             <a:r>
               <a:rPr lang="en-US" sz="2800" dirty="0">
@@ -6067,7 +6092,7 @@
                   </a:schemeClr>
                 </a:solidFill>
               </a:rPr>
-              <a:t>points and a control cabinet. </a:t>
+              <a:t>system emulates lighting points and a control cabinet. </a:t>
             </a:r>
             <a:r>
               <a:rPr lang="en-US" sz="2800" dirty="0" smtClean="0">
@@ -6113,7 +6138,7 @@
         </p:blipFill>
         <p:spPr>
           <a:xfrm>
-            <a:off x="13444133" y="11875745"/>
+            <a:off x="13474921" y="12208145"/>
             <a:ext cx="6033375" cy="3683359"/>
           </a:xfrm>
           <a:prstGeom prst="rect">
@@ -6143,7 +6168,7 @@
         </p:blipFill>
         <p:spPr>
           <a:xfrm>
-            <a:off x="17784644" y="15972685"/>
+            <a:off x="17862051" y="16161489"/>
             <a:ext cx="6302672" cy="3706449"/>
           </a:xfrm>
           <a:prstGeom prst="rect">
@@ -6161,7 +6186,7 @@
         </p:nvSpPr>
         <p:spPr bwMode="auto">
           <a:xfrm>
-            <a:off x="19691837" y="12539306"/>
+            <a:off x="19722625" y="12871706"/>
             <a:ext cx="4183554" cy="2224407"/>
           </a:xfrm>
           <a:prstGeom prst="rect">
@@ -6236,7 +6261,7 @@
         </p:nvSpPr>
         <p:spPr bwMode="auto">
           <a:xfrm>
-            <a:off x="13754204" y="16805153"/>
+            <a:off x="13831611" y="16993957"/>
             <a:ext cx="4183554" cy="1793519"/>
           </a:xfrm>
           <a:prstGeom prst="rect">
@@ -6347,7 +6372,7 @@
         </p:blipFill>
         <p:spPr>
           <a:xfrm>
-            <a:off x="13730356" y="19876012"/>
+            <a:off x="13730356" y="19770097"/>
             <a:ext cx="5777940" cy="3454030"/>
           </a:xfrm>
           <a:prstGeom prst="rect">
@@ -6365,7 +6390,7 @@
         </p:nvSpPr>
         <p:spPr bwMode="auto">
           <a:xfrm>
-            <a:off x="19722625" y="20537425"/>
+            <a:off x="19722625" y="20431510"/>
             <a:ext cx="4183554" cy="2224407"/>
           </a:xfrm>
           <a:prstGeom prst="rect">
@@ -6408,14 +6433,6 @@
               </a:rPr>
               <a:t>increases linearly, while the throughput decreases fast from 50 to 150 clients and then slowly. </a:t>
             </a:r>
-            <a:endParaRPr lang="en-US" sz="2800" dirty="0">
-              <a:solidFill>
-                <a:schemeClr val="tx1">
-                  <a:lumMod val="75000"/>
-                  <a:lumOff val="25000"/>
-                </a:schemeClr>
-              </a:solidFill>
-            </a:endParaRPr>
           </a:p>
         </p:txBody>
       </p:sp>
@@ -6429,7 +6446,7 @@
         </p:nvSpPr>
         <p:spPr bwMode="auto">
           <a:xfrm>
-            <a:off x="13753703" y="24338126"/>
+            <a:off x="13753703" y="24430440"/>
             <a:ext cx="9856787" cy="4378843"/>
           </a:xfrm>
           <a:prstGeom prst="rect">
@@ -6919,7 +6936,7 @@
         </p:blipFill>
         <p:spPr>
           <a:xfrm>
-            <a:off x="13999278" y="33944809"/>
+            <a:off x="13717629" y="33908694"/>
             <a:ext cx="1226906" cy="1226906"/>
           </a:xfrm>
           <a:prstGeom prst="rect">
@@ -6937,7 +6954,7 @@
         </p:nvSpPr>
         <p:spPr bwMode="auto">
           <a:xfrm>
-            <a:off x="13537680" y="7862804"/>
+            <a:off x="13506120" y="7889369"/>
             <a:ext cx="10072810" cy="824023"/>
           </a:xfrm>
           <a:prstGeom prst="rect">
@@ -6988,8 +7005,8 @@
         </p:nvSpPr>
         <p:spPr bwMode="auto">
           <a:xfrm>
-            <a:off x="13753703" y="29725245"/>
-            <a:ext cx="9856787" cy="2655294"/>
+            <a:off x="13753703" y="30064374"/>
+            <a:ext cx="9856787" cy="2224407"/>
           </a:xfrm>
           <a:prstGeom prst="rect">
             <a:avLst/>
@@ -7021,17 +7038,6 @@
           <a:p>
             <a:pPr algn="just"/>
             <a:r>
-              <a:rPr lang="en-US" sz="2800" dirty="0" err="1" smtClean="0">
-                <a:solidFill>
-                  <a:schemeClr val="tx1">
-                    <a:lumMod val="75000"/>
-                    <a:lumOff val="25000"/>
-                  </a:schemeClr>
-                </a:solidFill>
-              </a:rPr>
-              <a:t>ELIoT</a:t>
-            </a:r>
-            <a:r>
               <a:rPr lang="en-US" sz="2800" dirty="0" smtClean="0">
                 <a:solidFill>
                   <a:schemeClr val="tx1">
@@ -7040,7 +7046,7 @@
                   </a:schemeClr>
                 </a:solidFill>
               </a:rPr>
-              <a:t> has already proven valuable to identify design issues with the LWM2M protocol itself, namely on the registration and discovery interfaces as well as the limitations of the object model it uses. New scenarios can be added with relative ease and scalability tests can be augmented.</a:t>
+              <a:t>This work has already proven valuable to identify design issues with the LWM2M protocol itself, namely on the registration and discovery interfaces as well as the limitations of the object model it uses.</a:t>
             </a:r>
             <a:endParaRPr lang="en-US" sz="2800" dirty="0">
               <a:solidFill>
